--- a/오라클(ORACLE)-tuning.pptx
+++ b/오라클(ORACLE)-tuning.pptx
@@ -6,7 +6,7 @@
     <p:sldMasterId id="2147483661" r:id="rId2"/>
   </p:sldMasterIdLst>
   <p:notesMasterIdLst>
-    <p:notesMasterId r:id="rId30"/>
+    <p:notesMasterId r:id="rId29"/>
   </p:notesMasterIdLst>
   <p:sldIdLst>
     <p:sldId id="256" r:id="rId3"/>
@@ -35,7 +35,6 @@
     <p:sldId id="280" r:id="rId26"/>
     <p:sldId id="281" r:id="rId27"/>
     <p:sldId id="282" r:id="rId28"/>
-    <p:sldId id="283" r:id="rId29"/>
   </p:sldIdLst>
   <p:sldSz cx="12192000" cy="6858000"/>
   <p:notesSz cx="6858000" cy="9144000"/>
@@ -134,6 +133,11 @@
       </a:defRPr>
     </a:lvl9pPr>
   </p:defaultTextStyle>
+  <p:extLst>
+    <p:ext uri="{EFAFB233-063F-42B5-8137-9DF3F51BA10A}">
+      <p15:sldGuideLst xmlns:p15="http://schemas.microsoft.com/office/powerpoint/2012/main"/>
+    </p:ext>
+  </p:extLst>
 </p:presentation>
 </file>
 
@@ -3037,146 +3041,6 @@
                 <a:latin typeface="바탕"/>
               </a:rPr>
               <a:t>26</a:t>
-            </a:fld>
-            <a:endParaRPr lang="en-US" sz="1200" b="0" strike="noStrike" spc="-1">
-              <a:latin typeface="바탕"/>
-            </a:endParaRPr>
-          </a:p>
-        </p:txBody>
-      </p:sp>
-    </p:spTree>
-  </p:cSld>
-  <p:clrMapOvr>
-    <a:masterClrMapping/>
-  </p:clrMapOvr>
-</p:notes>
-</file>
-
-<file path=ppt/notesSlides/notesSlide26.xml><?xml version="1.0" encoding="utf-8"?>
-<p:notes xmlns:a="http://schemas.openxmlformats.org/drawingml/2006/main" xmlns:r="http://schemas.openxmlformats.org/officeDocument/2006/relationships" xmlns:p="http://schemas.openxmlformats.org/presentationml/2006/main">
-  <p:cSld>
-    <p:spTree>
-      <p:nvGrpSpPr>
-        <p:cNvPr id="1" name=""/>
-        <p:cNvGrpSpPr/>
-        <p:nvPr/>
-      </p:nvGrpSpPr>
-      <p:grpSpPr>
-        <a:xfrm>
-          <a:off x="0" y="0"/>
-          <a:ext cx="0" cy="0"/>
-          <a:chOff x="0" y="0"/>
-          <a:chExt cx="0" cy="0"/>
-        </a:xfrm>
-      </p:grpSpPr>
-      <p:sp>
-        <p:nvSpPr>
-          <p:cNvPr id="217" name="PlaceHolder 1"/>
-          <p:cNvSpPr>
-            <a:spLocks noGrp="1" noRot="1" noChangeAspect="1"/>
-          </p:cNvSpPr>
-          <p:nvPr>
-            <p:ph type="sldImg"/>
-          </p:nvPr>
-        </p:nvSpPr>
-        <p:spPr>
-          <a:xfrm>
-            <a:off x="685800" y="1143000"/>
-            <a:ext cx="5486400" cy="3086100"/>
-          </a:xfrm>
-          <a:prstGeom prst="rect">
-            <a:avLst/>
-          </a:prstGeom>
-          <a:ln w="0">
-            <a:noFill/>
-          </a:ln>
-        </p:spPr>
-      </p:sp>
-      <p:sp>
-        <p:nvSpPr>
-          <p:cNvPr id="218" name="PlaceHolder 2"/>
-          <p:cNvSpPr>
-            <a:spLocks noGrp="1"/>
-          </p:cNvSpPr>
-          <p:nvPr>
-            <p:ph type="body"/>
-          </p:nvPr>
-        </p:nvSpPr>
-        <p:spPr>
-          <a:xfrm>
-            <a:off x="685800" y="4400640"/>
-            <a:ext cx="5486040" cy="3600000"/>
-          </a:xfrm>
-          <a:prstGeom prst="rect">
-            <a:avLst/>
-          </a:prstGeom>
-          <a:noFill/>
-          <a:ln w="0">
-            <a:noFill/>
-          </a:ln>
-        </p:spPr>
-        <p:txBody>
-          <a:bodyPr anchor="t">
-            <a:noAutofit/>
-          </a:bodyPr>
-          <a:lstStyle/>
-          <a:p>
-            <a:endParaRPr lang="en-US" sz="2000" b="0" strike="noStrike" spc="-1">
-              <a:latin typeface="Noto Sans KR"/>
-            </a:endParaRPr>
-          </a:p>
-        </p:txBody>
-      </p:sp>
-      <p:sp>
-        <p:nvSpPr>
-          <p:cNvPr id="219" name="PlaceHolder 3"/>
-          <p:cNvSpPr>
-            <a:spLocks noGrp="1"/>
-          </p:cNvSpPr>
-          <p:nvPr>
-            <p:ph type="sldNum" idx="35"/>
-          </p:nvPr>
-        </p:nvSpPr>
-        <p:spPr>
-          <a:xfrm>
-            <a:off x="3884760" y="8685360"/>
-            <a:ext cx="2971440" cy="458280"/>
-          </a:xfrm>
-          <a:prstGeom prst="rect">
-            <a:avLst/>
-          </a:prstGeom>
-          <a:noFill/>
-          <a:ln w="0">
-            <a:noFill/>
-          </a:ln>
-        </p:spPr>
-        <p:txBody>
-          <a:bodyPr anchor="b">
-            <a:noAutofit/>
-          </a:bodyPr>
-          <a:lstStyle>
-            <a:lvl1pPr algn="r">
-              <a:lnSpc>
-                <a:spcPct val="100000"/>
-              </a:lnSpc>
-              <a:buNone/>
-              <a:defRPr lang="en-US" sz="1200" b="0" strike="noStrike" spc="-1">
-                <a:latin typeface="바탕"/>
-              </a:defRPr>
-            </a:lvl1pPr>
-          </a:lstStyle>
-          <a:p>
-            <a:pPr algn="r">
-              <a:lnSpc>
-                <a:spcPct val="100000"/>
-              </a:lnSpc>
-              <a:buNone/>
-            </a:pPr>
-            <a:fld id="{92D84A0A-B2DE-45ED-927F-568DF4A84741}" type="slidenum">
-              <a:rPr lang="en-US" sz="1200" b="0" strike="noStrike" spc="-1">
-                <a:latin typeface="바탕"/>
-              </a:rPr>
-              <a:t>27</a:t>
             </a:fld>
             <a:endParaRPr lang="en-US" sz="1200" b="0" strike="noStrike" spc="-1">
               <a:latin typeface="바탕"/>
@@ -11117,21 +10981,6 @@
   <p:clrMapOvr>
     <a:masterClrMapping/>
   </p:clrMapOvr>
-  <mc:AlternateContent xmlns:mc="http://schemas.openxmlformats.org/markup-compatibility/2006" xmlns:p14="http://schemas.microsoft.com/office/powerpoint/2010/main">
-    <mc:Choice Requires="p14">
-      <p:transition spd="slow" p14:dur="2000"/>
-    </mc:Choice>
-    <mc:Fallback xmlns:p15="http://schemas.microsoft.com/office/powerpoint/2012/main" xmlns="">
-      <p:transition spd="slow"/>
-    </mc:Fallback>
-  </mc:AlternateContent>
-  <p:timing>
-    <p:tnLst>
-      <p:par>
-        <p:cTn id="1" dur="indefinite" restart="never" nodeType="tmRoot"/>
-      </p:par>
-    </p:tnLst>
-  </p:timing>
 </p:sld>
 </file>
 
@@ -11238,21 +11087,6 @@
   <p:clrMapOvr>
     <a:masterClrMapping/>
   </p:clrMapOvr>
-  <mc:AlternateContent xmlns:mc="http://schemas.openxmlformats.org/markup-compatibility/2006" xmlns:p14="http://schemas.microsoft.com/office/powerpoint/2010/main">
-    <mc:Choice Requires="p14">
-      <p:transition spd="slow" p14:dur="2000"/>
-    </mc:Choice>
-    <mc:Fallback xmlns:p15="http://schemas.microsoft.com/office/powerpoint/2012/main" xmlns="">
-      <p:transition spd="slow"/>
-    </mc:Fallback>
-  </mc:AlternateContent>
-  <p:timing>
-    <p:tnLst>
-      <p:par>
-        <p:cTn id="1" dur="indefinite" restart="never" nodeType="tmRoot"/>
-      </p:par>
-    </p:tnLst>
-  </p:timing>
 </p:sld>
 </file>
 
@@ -11359,21 +11193,6 @@
   <p:clrMapOvr>
     <a:masterClrMapping/>
   </p:clrMapOvr>
-  <mc:AlternateContent xmlns:mc="http://schemas.openxmlformats.org/markup-compatibility/2006" xmlns:p14="http://schemas.microsoft.com/office/powerpoint/2010/main">
-    <mc:Choice Requires="p14">
-      <p:transition spd="slow" p14:dur="2000"/>
-    </mc:Choice>
-    <mc:Fallback xmlns:p15="http://schemas.microsoft.com/office/powerpoint/2012/main" xmlns="">
-      <p:transition spd="slow"/>
-    </mc:Fallback>
-  </mc:AlternateContent>
-  <p:timing>
-    <p:tnLst>
-      <p:par>
-        <p:cTn id="1" dur="indefinite" restart="never" nodeType="tmRoot"/>
-      </p:par>
-    </p:tnLst>
-  </p:timing>
 </p:sld>
 </file>
 
@@ -11480,21 +11299,6 @@
   <p:clrMapOvr>
     <a:masterClrMapping/>
   </p:clrMapOvr>
-  <mc:AlternateContent xmlns:mc="http://schemas.openxmlformats.org/markup-compatibility/2006" xmlns:p14="http://schemas.microsoft.com/office/powerpoint/2010/main">
-    <mc:Choice Requires="p14">
-      <p:transition spd="slow" p14:dur="2000"/>
-    </mc:Choice>
-    <mc:Fallback xmlns:p15="http://schemas.microsoft.com/office/powerpoint/2012/main" xmlns="">
-      <p:transition spd="slow"/>
-    </mc:Fallback>
-  </mc:AlternateContent>
-  <p:timing>
-    <p:tnLst>
-      <p:par>
-        <p:cTn id="1" dur="indefinite" restart="never" nodeType="tmRoot"/>
-      </p:par>
-    </p:tnLst>
-  </p:timing>
 </p:sld>
 </file>
 
@@ -11601,21 +11405,6 @@
   <p:clrMapOvr>
     <a:masterClrMapping/>
   </p:clrMapOvr>
-  <mc:AlternateContent xmlns:mc="http://schemas.openxmlformats.org/markup-compatibility/2006" xmlns:p14="http://schemas.microsoft.com/office/powerpoint/2010/main">
-    <mc:Choice Requires="p14">
-      <p:transition spd="slow" p14:dur="2000"/>
-    </mc:Choice>
-    <mc:Fallback xmlns:p15="http://schemas.microsoft.com/office/powerpoint/2012/main" xmlns="">
-      <p:transition spd="slow"/>
-    </mc:Fallback>
-  </mc:AlternateContent>
-  <p:timing>
-    <p:tnLst>
-      <p:par>
-        <p:cTn id="1" dur="indefinite" restart="never" nodeType="tmRoot"/>
-      </p:par>
-    </p:tnLst>
-  </p:timing>
 </p:sld>
 </file>
 
@@ -11740,21 +11529,6 @@
   <p:clrMapOvr>
     <a:masterClrMapping/>
   </p:clrMapOvr>
-  <mc:AlternateContent xmlns:mc="http://schemas.openxmlformats.org/markup-compatibility/2006" xmlns:p14="http://schemas.microsoft.com/office/powerpoint/2010/main">
-    <mc:Choice Requires="p14">
-      <p:transition spd="slow" p14:dur="2000"/>
-    </mc:Choice>
-    <mc:Fallback xmlns:p15="http://schemas.microsoft.com/office/powerpoint/2012/main" xmlns="">
-      <p:transition spd="slow"/>
-    </mc:Fallback>
-  </mc:AlternateContent>
-  <p:timing>
-    <p:tnLst>
-      <p:par>
-        <p:cTn id="1" dur="indefinite" restart="never" nodeType="tmRoot"/>
-      </p:par>
-    </p:tnLst>
-  </p:timing>
 </p:sld>
 </file>
 
@@ -11861,21 +11635,6 @@
   <p:clrMapOvr>
     <a:masterClrMapping/>
   </p:clrMapOvr>
-  <mc:AlternateContent xmlns:mc="http://schemas.openxmlformats.org/markup-compatibility/2006" xmlns:p14="http://schemas.microsoft.com/office/powerpoint/2010/main">
-    <mc:Choice Requires="p14">
-      <p:transition spd="slow" p14:dur="2000"/>
-    </mc:Choice>
-    <mc:Fallback xmlns:p15="http://schemas.microsoft.com/office/powerpoint/2012/main" xmlns="">
-      <p:transition spd="slow"/>
-    </mc:Fallback>
-  </mc:AlternateContent>
-  <p:timing>
-    <p:tnLst>
-      <p:par>
-        <p:cTn id="1" dur="indefinite" restart="never" nodeType="tmRoot"/>
-      </p:par>
-    </p:tnLst>
-  </p:timing>
 </p:sld>
 </file>
 
@@ -11982,21 +11741,6 @@
   <p:clrMapOvr>
     <a:masterClrMapping/>
   </p:clrMapOvr>
-  <mc:AlternateContent xmlns:mc="http://schemas.openxmlformats.org/markup-compatibility/2006" xmlns:p14="http://schemas.microsoft.com/office/powerpoint/2010/main">
-    <mc:Choice Requires="p14">
-      <p:transition spd="slow" p14:dur="2000"/>
-    </mc:Choice>
-    <mc:Fallback xmlns:p15="http://schemas.microsoft.com/office/powerpoint/2012/main" xmlns="">
-      <p:transition spd="slow"/>
-    </mc:Fallback>
-  </mc:AlternateContent>
-  <p:timing>
-    <p:tnLst>
-      <p:par>
-        <p:cTn id="1" dur="indefinite" restart="never" nodeType="tmRoot"/>
-      </p:par>
-    </p:tnLst>
-  </p:timing>
 </p:sld>
 </file>
 
@@ -12103,21 +11847,6 @@
   <p:clrMapOvr>
     <a:masterClrMapping/>
   </p:clrMapOvr>
-  <mc:AlternateContent xmlns:mc="http://schemas.openxmlformats.org/markup-compatibility/2006" xmlns:p14="http://schemas.microsoft.com/office/powerpoint/2010/main">
-    <mc:Choice Requires="p14">
-      <p:transition spd="slow" p14:dur="2000"/>
-    </mc:Choice>
-    <mc:Fallback xmlns:p15="http://schemas.microsoft.com/office/powerpoint/2012/main" xmlns="">
-      <p:transition spd="slow"/>
-    </mc:Fallback>
-  </mc:AlternateContent>
-  <p:timing>
-    <p:tnLst>
-      <p:par>
-        <p:cTn id="1" dur="indefinite" restart="never" nodeType="tmRoot"/>
-      </p:par>
-    </p:tnLst>
-  </p:timing>
 </p:sld>
 </file>
 
@@ -12224,21 +11953,6 @@
   <p:clrMapOvr>
     <a:masterClrMapping/>
   </p:clrMapOvr>
-  <mc:AlternateContent xmlns:mc="http://schemas.openxmlformats.org/markup-compatibility/2006" xmlns:p14="http://schemas.microsoft.com/office/powerpoint/2010/main">
-    <mc:Choice Requires="p14">
-      <p:transition spd="slow" p14:dur="2000"/>
-    </mc:Choice>
-    <mc:Fallback xmlns:p15="http://schemas.microsoft.com/office/powerpoint/2012/main" xmlns="">
-      <p:transition spd="slow"/>
-    </mc:Fallback>
-  </mc:AlternateContent>
-  <p:timing>
-    <p:tnLst>
-      <p:par>
-        <p:cTn id="1" dur="indefinite" restart="never" nodeType="tmRoot"/>
-      </p:par>
-    </p:tnLst>
-  </p:timing>
 </p:sld>
 </file>
 
@@ -12345,21 +12059,6 @@
   <p:clrMapOvr>
     <a:masterClrMapping/>
   </p:clrMapOvr>
-  <mc:AlternateContent xmlns:mc="http://schemas.openxmlformats.org/markup-compatibility/2006" xmlns:p14="http://schemas.microsoft.com/office/powerpoint/2010/main">
-    <mc:Choice Requires="p14">
-      <p:transition spd="slow" p14:dur="2000"/>
-    </mc:Choice>
-    <mc:Fallback xmlns:p15="http://schemas.microsoft.com/office/powerpoint/2012/main" xmlns="">
-      <p:transition spd="slow"/>
-    </mc:Fallback>
-  </mc:AlternateContent>
-  <p:timing>
-    <p:tnLst>
-      <p:par>
-        <p:cTn id="1" dur="indefinite" restart="never" nodeType="tmRoot"/>
-      </p:par>
-    </p:tnLst>
-  </p:timing>
 </p:sld>
 </file>
 
@@ -12549,21 +12248,6 @@
   <p:clrMapOvr>
     <a:masterClrMapping/>
   </p:clrMapOvr>
-  <mc:AlternateContent xmlns:mc="http://schemas.openxmlformats.org/markup-compatibility/2006" xmlns:p14="http://schemas.microsoft.com/office/powerpoint/2010/main">
-    <mc:Choice Requires="p14">
-      <p:transition spd="slow" p14:dur="2000"/>
-    </mc:Choice>
-    <mc:Fallback xmlns:p15="http://schemas.microsoft.com/office/powerpoint/2012/main" xmlns="">
-      <p:transition spd="slow"/>
-    </mc:Fallback>
-  </mc:AlternateContent>
-  <p:timing>
-    <p:tnLst>
-      <p:par>
-        <p:cTn id="1" dur="indefinite" restart="never" nodeType="tmRoot"/>
-      </p:par>
-    </p:tnLst>
-  </p:timing>
 </p:sld>
 </file>
 
@@ -12670,21 +12354,6 @@
   <p:clrMapOvr>
     <a:masterClrMapping/>
   </p:clrMapOvr>
-  <mc:AlternateContent xmlns:mc="http://schemas.openxmlformats.org/markup-compatibility/2006" xmlns:p14="http://schemas.microsoft.com/office/powerpoint/2010/main">
-    <mc:Choice Requires="p14">
-      <p:transition spd="slow" p14:dur="2000"/>
-    </mc:Choice>
-    <mc:Fallback xmlns:p15="http://schemas.microsoft.com/office/powerpoint/2012/main" xmlns="">
-      <p:transition spd="slow"/>
-    </mc:Fallback>
-  </mc:AlternateContent>
-  <p:timing>
-    <p:tnLst>
-      <p:par>
-        <p:cTn id="1" dur="indefinite" restart="never" nodeType="tmRoot"/>
-      </p:par>
-    </p:tnLst>
-  </p:timing>
 </p:sld>
 </file>
 
@@ -12791,21 +12460,6 @@
   <p:clrMapOvr>
     <a:masterClrMapping/>
   </p:clrMapOvr>
-  <mc:AlternateContent xmlns:mc="http://schemas.openxmlformats.org/markup-compatibility/2006" xmlns:p14="http://schemas.microsoft.com/office/powerpoint/2010/main">
-    <mc:Choice Requires="p14">
-      <p:transition spd="slow" p14:dur="2000"/>
-    </mc:Choice>
-    <mc:Fallback xmlns:p15="http://schemas.microsoft.com/office/powerpoint/2012/main" xmlns="">
-      <p:transition spd="slow"/>
-    </mc:Fallback>
-  </mc:AlternateContent>
-  <p:timing>
-    <p:tnLst>
-      <p:par>
-        <p:cTn id="1" dur="indefinite" restart="never" nodeType="tmRoot"/>
-      </p:par>
-    </p:tnLst>
-  </p:timing>
 </p:sld>
 </file>
 
@@ -12912,21 +12566,6 @@
   <p:clrMapOvr>
     <a:masterClrMapping/>
   </p:clrMapOvr>
-  <mc:AlternateContent xmlns:mc="http://schemas.openxmlformats.org/markup-compatibility/2006" xmlns:p14="http://schemas.microsoft.com/office/powerpoint/2010/main">
-    <mc:Choice Requires="p14">
-      <p:transition spd="slow" p14:dur="2000"/>
-    </mc:Choice>
-    <mc:Fallback xmlns:p15="http://schemas.microsoft.com/office/powerpoint/2012/main" xmlns="">
-      <p:transition spd="slow"/>
-    </mc:Fallback>
-  </mc:AlternateContent>
-  <p:timing>
-    <p:tnLst>
-      <p:par>
-        <p:cTn id="1" dur="indefinite" restart="never" nodeType="tmRoot"/>
-      </p:par>
-    </p:tnLst>
-  </p:timing>
 </p:sld>
 </file>
 
@@ -13033,21 +12672,6 @@
   <p:clrMapOvr>
     <a:masterClrMapping/>
   </p:clrMapOvr>
-  <mc:AlternateContent xmlns:mc="http://schemas.openxmlformats.org/markup-compatibility/2006" xmlns:p14="http://schemas.microsoft.com/office/powerpoint/2010/main">
-    <mc:Choice Requires="p14">
-      <p:transition spd="slow" p14:dur="2000"/>
-    </mc:Choice>
-    <mc:Fallback xmlns:p15="http://schemas.microsoft.com/office/powerpoint/2012/main" xmlns="">
-      <p:transition spd="slow"/>
-    </mc:Fallback>
-  </mc:AlternateContent>
-  <p:timing>
-    <p:tnLst>
-      <p:par>
-        <p:cTn id="1" dur="indefinite" restart="never" nodeType="tmRoot"/>
-      </p:par>
-    </p:tnLst>
-  </p:timing>
 </p:sld>
 </file>
 
@@ -13154,21 +12778,6 @@
   <p:clrMapOvr>
     <a:masterClrMapping/>
   </p:clrMapOvr>
-  <mc:AlternateContent xmlns:mc="http://schemas.openxmlformats.org/markup-compatibility/2006" xmlns:p14="http://schemas.microsoft.com/office/powerpoint/2010/main">
-    <mc:Choice Requires="p14">
-      <p:transition spd="slow" p14:dur="2000"/>
-    </mc:Choice>
-    <mc:Fallback xmlns:p15="http://schemas.microsoft.com/office/powerpoint/2012/main" xmlns="">
-      <p:transition spd="slow"/>
-    </mc:Fallback>
-  </mc:AlternateContent>
-  <p:timing>
-    <p:tnLst>
-      <p:par>
-        <p:cTn id="1" dur="indefinite" restart="never" nodeType="tmRoot"/>
-      </p:par>
-    </p:tnLst>
-  </p:timing>
 </p:sld>
 </file>
 
@@ -13275,14 +12884,6 @@
   <p:clrMapOvr>
     <a:masterClrMapping/>
   </p:clrMapOvr>
-  <mc:AlternateContent xmlns:mc="http://schemas.openxmlformats.org/markup-compatibility/2006" xmlns:p14="http://schemas.microsoft.com/office/powerpoint/2010/main">
-    <mc:Choice Requires="p14">
-      <p:transition spd="slow" p14:dur="2000"/>
-    </mc:Choice>
-    <mc:Fallback xmlns:p15="http://schemas.microsoft.com/office/powerpoint/2012/main" xmlns="">
-      <p:transition spd="slow"/>
-    </mc:Fallback>
-  </mc:AlternateContent>
 </p:sld>
 </file>
 
@@ -13389,128 +12990,6 @@
   <p:clrMapOvr>
     <a:masterClrMapping/>
   </p:clrMapOvr>
-  <mc:AlternateContent xmlns:mc="http://schemas.openxmlformats.org/markup-compatibility/2006" xmlns:p14="http://schemas.microsoft.com/office/powerpoint/2010/main">
-    <mc:Choice Requires="p14">
-      <p:transition spd="slow" p14:dur="2000"/>
-    </mc:Choice>
-    <mc:Fallback xmlns:p15="http://schemas.microsoft.com/office/powerpoint/2012/main" xmlns="">
-      <p:transition spd="slow"/>
-    </mc:Fallback>
-  </mc:AlternateContent>
-</p:sld>
-</file>
-
-<file path=ppt/slides/slide27.xml><?xml version="1.0" encoding="utf-8"?>
-<p:sld xmlns:a="http://schemas.openxmlformats.org/drawingml/2006/main" xmlns:r="http://schemas.openxmlformats.org/officeDocument/2006/relationships" xmlns:p="http://schemas.openxmlformats.org/presentationml/2006/main">
-  <p:cSld>
-    <p:spTree>
-      <p:nvGrpSpPr>
-        <p:cNvPr id="1" name=""/>
-        <p:cNvGrpSpPr/>
-        <p:nvPr/>
-      </p:nvGrpSpPr>
-      <p:grpSpPr>
-        <a:xfrm>
-          <a:off x="0" y="0"/>
-          <a:ext cx="0" cy="0"/>
-          <a:chOff x="0" y="0"/>
-          <a:chExt cx="0" cy="0"/>
-        </a:xfrm>
-      </p:grpSpPr>
-      <p:sp>
-        <p:nvSpPr>
-          <p:cNvPr id="140" name="Rectangle 14"/>
-          <p:cNvSpPr/>
-          <p:nvPr/>
-        </p:nvSpPr>
-        <p:spPr>
-          <a:xfrm>
-            <a:off x="1914480" y="206280"/>
-            <a:ext cx="9425520" cy="490320"/>
-          </a:xfrm>
-          <a:prstGeom prst="rect">
-            <a:avLst/>
-          </a:prstGeom>
-          <a:noFill/>
-          <a:ln w="0">
-            <a:noFill/>
-          </a:ln>
-        </p:spPr>
-        <p:style>
-          <a:lnRef idx="0">
-            <a:scrgbClr r="0" g="0" b="0"/>
-          </a:lnRef>
-          <a:fillRef idx="0">
-            <a:scrgbClr r="0" g="0" b="0"/>
-          </a:fillRef>
-          <a:effectRef idx="0">
-            <a:scrgbClr r="0" g="0" b="0"/>
-          </a:effectRef>
-          <a:fontRef idx="minor"/>
-        </p:style>
-        <p:txBody>
-          <a:bodyPr numCol="1" spcCol="0" anchor="ctr">
-            <a:noAutofit/>
-          </a:bodyPr>
-          <a:lstStyle/>
-          <a:p>
-            <a:pPr>
-              <a:lnSpc>
-                <a:spcPct val="100000"/>
-              </a:lnSpc>
-              <a:buNone/>
-            </a:pPr>
-            <a:r>
-              <a:rPr lang="en-US" sz="3200" b="1" strike="noStrike" spc="-1">
-                <a:solidFill>
-                  <a:srgbClr val="000000"/>
-                </a:solidFill>
-                <a:latin typeface="맑은 고딕"/>
-              </a:rPr>
-              <a:t>Hint</a:t>
-            </a:r>
-            <a:endParaRPr lang="en-US" sz="3200" b="0" strike="noStrike" spc="-1">
-              <a:latin typeface="Noto Sans KR"/>
-            </a:endParaRPr>
-          </a:p>
-        </p:txBody>
-      </p:sp>
-      <p:pic>
-        <p:nvPicPr>
-          <p:cNvPr id="141" name="그림 140"/>
-          <p:cNvPicPr/>
-          <p:nvPr/>
-        </p:nvPicPr>
-        <p:blipFill>
-          <a:blip r:embed="rId3"/>
-          <a:stretch/>
-        </p:blipFill>
-        <p:spPr>
-          <a:xfrm>
-            <a:off x="1440000" y="900000"/>
-            <a:ext cx="8843400" cy="5916960"/>
-          </a:xfrm>
-          <a:prstGeom prst="rect">
-            <a:avLst/>
-          </a:prstGeom>
-          <a:ln w="0">
-            <a:noFill/>
-          </a:ln>
-        </p:spPr>
-      </p:pic>
-    </p:spTree>
-  </p:cSld>
-  <p:clrMapOvr>
-    <a:masterClrMapping/>
-  </p:clrMapOvr>
-  <mc:AlternateContent xmlns:mc="http://schemas.openxmlformats.org/markup-compatibility/2006" xmlns:p14="http://schemas.microsoft.com/office/powerpoint/2010/main">
-    <mc:Choice Requires="p14">
-      <p:transition spd="slow" p14:dur="2000"/>
-    </mc:Choice>
-    <mc:Fallback xmlns:p15="http://schemas.microsoft.com/office/powerpoint/2012/main" xmlns="">
-      <p:transition spd="slow"/>
-    </mc:Fallback>
-  </mc:AlternateContent>
 </p:sld>
 </file>
 
@@ -13617,21 +13096,6 @@
   <p:clrMapOvr>
     <a:masterClrMapping/>
   </p:clrMapOvr>
-  <mc:AlternateContent xmlns:mc="http://schemas.openxmlformats.org/markup-compatibility/2006" xmlns:p14="http://schemas.microsoft.com/office/powerpoint/2010/main">
-    <mc:Choice Requires="p14">
-      <p:transition spd="slow" p14:dur="2000"/>
-    </mc:Choice>
-    <mc:Fallback xmlns:p15="http://schemas.microsoft.com/office/powerpoint/2012/main" xmlns="">
-      <p:transition spd="slow"/>
-    </mc:Fallback>
-  </mc:AlternateContent>
-  <p:timing>
-    <p:tnLst>
-      <p:par>
-        <p:cTn id="1" dur="indefinite" restart="never" nodeType="tmRoot"/>
-      </p:par>
-    </p:tnLst>
-  </p:timing>
 </p:sld>
 </file>
 
@@ -13738,21 +13202,6 @@
   <p:clrMapOvr>
     <a:masterClrMapping/>
   </p:clrMapOvr>
-  <mc:AlternateContent xmlns:mc="http://schemas.openxmlformats.org/markup-compatibility/2006" xmlns:p14="http://schemas.microsoft.com/office/powerpoint/2010/main">
-    <mc:Choice Requires="p14">
-      <p:transition spd="slow" p14:dur="2000"/>
-    </mc:Choice>
-    <mc:Fallback xmlns:p15="http://schemas.microsoft.com/office/powerpoint/2012/main" xmlns="">
-      <p:transition spd="slow"/>
-    </mc:Fallback>
-  </mc:AlternateContent>
-  <p:timing>
-    <p:tnLst>
-      <p:par>
-        <p:cTn id="1" dur="indefinite" restart="never" nodeType="tmRoot"/>
-      </p:par>
-    </p:tnLst>
-  </p:timing>
 </p:sld>
 </file>
 
@@ -13859,21 +13308,6 @@
   <p:clrMapOvr>
     <a:masterClrMapping/>
   </p:clrMapOvr>
-  <mc:AlternateContent xmlns:mc="http://schemas.openxmlformats.org/markup-compatibility/2006" xmlns:p14="http://schemas.microsoft.com/office/powerpoint/2010/main">
-    <mc:Choice Requires="p14">
-      <p:transition spd="slow" p14:dur="2000"/>
-    </mc:Choice>
-    <mc:Fallback xmlns:p15="http://schemas.microsoft.com/office/powerpoint/2012/main" xmlns="">
-      <p:transition spd="slow"/>
-    </mc:Fallback>
-  </mc:AlternateContent>
-  <p:timing>
-    <p:tnLst>
-      <p:par>
-        <p:cTn id="1" dur="indefinite" restart="never" nodeType="tmRoot"/>
-      </p:par>
-    </p:tnLst>
-  </p:timing>
 </p:sld>
 </file>
 
@@ -13980,21 +13414,6 @@
   <p:clrMapOvr>
     <a:masterClrMapping/>
   </p:clrMapOvr>
-  <mc:AlternateContent xmlns:mc="http://schemas.openxmlformats.org/markup-compatibility/2006" xmlns:p14="http://schemas.microsoft.com/office/powerpoint/2010/main">
-    <mc:Choice Requires="p14">
-      <p:transition spd="slow" p14:dur="2000"/>
-    </mc:Choice>
-    <mc:Fallback xmlns:p15="http://schemas.microsoft.com/office/powerpoint/2012/main" xmlns="">
-      <p:transition spd="slow"/>
-    </mc:Fallback>
-  </mc:AlternateContent>
-  <p:timing>
-    <p:tnLst>
-      <p:par>
-        <p:cTn id="1" dur="indefinite" restart="never" nodeType="tmRoot"/>
-      </p:par>
-    </p:tnLst>
-  </p:timing>
 </p:sld>
 </file>
 
@@ -14101,21 +13520,6 @@
   <p:clrMapOvr>
     <a:masterClrMapping/>
   </p:clrMapOvr>
-  <mc:AlternateContent xmlns:mc="http://schemas.openxmlformats.org/markup-compatibility/2006" xmlns:p14="http://schemas.microsoft.com/office/powerpoint/2010/main">
-    <mc:Choice Requires="p14">
-      <p:transition spd="slow" p14:dur="2000"/>
-    </mc:Choice>
-    <mc:Fallback xmlns:p15="http://schemas.microsoft.com/office/powerpoint/2012/main" xmlns="">
-      <p:transition spd="slow"/>
-    </mc:Fallback>
-  </mc:AlternateContent>
-  <p:timing>
-    <p:tnLst>
-      <p:par>
-        <p:cTn id="1" dur="indefinite" restart="never" nodeType="tmRoot"/>
-      </p:par>
-    </p:tnLst>
-  </p:timing>
 </p:sld>
 </file>
 
@@ -14231,21 +13635,6 @@
   <p:clrMapOvr>
     <a:masterClrMapping/>
   </p:clrMapOvr>
-  <mc:AlternateContent xmlns:mc="http://schemas.openxmlformats.org/markup-compatibility/2006" xmlns:p14="http://schemas.microsoft.com/office/powerpoint/2010/main">
-    <mc:Choice Requires="p14">
-      <p:transition spd="slow" p14:dur="2000"/>
-    </mc:Choice>
-    <mc:Fallback xmlns:p15="http://schemas.microsoft.com/office/powerpoint/2012/main" xmlns="">
-      <p:transition spd="slow"/>
-    </mc:Fallback>
-  </mc:AlternateContent>
-  <p:timing>
-    <p:tnLst>
-      <p:par>
-        <p:cTn id="1" dur="indefinite" restart="never" nodeType="tmRoot"/>
-      </p:par>
-    </p:tnLst>
-  </p:timing>
 </p:sld>
 </file>
 
@@ -14361,21 +13750,6 @@
   <p:clrMapOvr>
     <a:masterClrMapping/>
   </p:clrMapOvr>
-  <mc:AlternateContent xmlns:mc="http://schemas.openxmlformats.org/markup-compatibility/2006" xmlns:p14="http://schemas.microsoft.com/office/powerpoint/2010/main">
-    <mc:Choice Requires="p14">
-      <p:transition spd="slow" p14:dur="2000"/>
-    </mc:Choice>
-    <mc:Fallback xmlns:p15="http://schemas.microsoft.com/office/powerpoint/2012/main" xmlns="">
-      <p:transition spd="slow"/>
-    </mc:Fallback>
-  </mc:AlternateContent>
-  <p:timing>
-    <p:tnLst>
-      <p:par>
-        <p:cTn id="1" dur="indefinite" restart="never" nodeType="tmRoot"/>
-      </p:par>
-    </p:tnLst>
-  </p:timing>
 </p:sld>
 </file>
 
